--- a/Acute Inflammations project.pptx
+++ b/Acute Inflammations project.pptx
@@ -14,7 +14,8 @@
     <p:sldId id="262" r:id="rId8"/>
     <p:sldId id="263" r:id="rId9"/>
     <p:sldId id="264" r:id="rId10"/>
-    <p:sldId id="269" r:id="rId11"/>
+    <p:sldId id="270" r:id="rId11"/>
+    <p:sldId id="269" r:id="rId12"/>
   </p:sldIdLst>
   <p:sldSz cx="6858000" cy="9144000" type="screen4x3"/>
   <p:notesSz cx="6858000" cy="9144000"/>
@@ -3270,6 +3271,81 @@
 </file>
 
 <file path=ppt/slides/slide10.xml><?xml version="1.0" encoding="utf-8"?>
+<p:sld xmlns:a="http://schemas.openxmlformats.org/drawingml/2006/main" xmlns:r="http://schemas.openxmlformats.org/officeDocument/2006/relationships" xmlns:p="http://schemas.openxmlformats.org/presentationml/2006/main">
+  <p:cSld>
+    <p:spTree>
+      <p:nvGrpSpPr>
+        <p:cNvPr id="1" name=""/>
+        <p:cNvGrpSpPr/>
+        <p:nvPr/>
+      </p:nvGrpSpPr>
+      <p:grpSpPr>
+        <a:xfrm>
+          <a:off x="0" y="0"/>
+          <a:ext cx="0" cy="0"/>
+          <a:chOff x="0" y="0"/>
+          <a:chExt cx="0" cy="0"/>
+        </a:xfrm>
+      </p:grpSpPr>
+      <p:sp>
+        <p:nvSpPr>
+          <p:cNvPr id="2" name="Title 1"/>
+          <p:cNvSpPr>
+            <a:spLocks noGrp="1"/>
+          </p:cNvSpPr>
+          <p:nvPr>
+            <p:ph type="title"/>
+          </p:nvPr>
+        </p:nvSpPr>
+        <p:spPr/>
+        <p:txBody>
+          <a:bodyPr/>
+          <a:lstStyle/>
+          <a:p>
+            <a:r>
+              <a:rPr lang="en-US" b="1" dirty="0" smtClean="0"/>
+              <a:t>Sampling </a:t>
+            </a:r>
+            <a:r>
+              <a:rPr lang="en-US" b="1" dirty="0" smtClean="0"/>
+              <a:t>Distribution</a:t>
+            </a:r>
+            <a:endParaRPr lang="en-US" b="1" dirty="0"/>
+          </a:p>
+        </p:txBody>
+      </p:sp>
+      <p:pic>
+        <p:nvPicPr>
+          <p:cNvPr id="4" name="Content Placeholder 3" descr="Capture.PNG"/>
+          <p:cNvPicPr>
+            <a:picLocks noGrp="1" noChangeAspect="1"/>
+          </p:cNvPicPr>
+          <p:nvPr>
+            <p:ph idx="1"/>
+          </p:nvPr>
+        </p:nvPicPr>
+        <p:blipFill>
+          <a:blip r:embed="rId2"/>
+          <a:stretch>
+            <a:fillRect/>
+          </a:stretch>
+        </p:blipFill>
+        <p:spPr>
+          <a:xfrm>
+            <a:off x="623431" y="2057400"/>
+            <a:ext cx="5548769" cy="4267200"/>
+          </a:xfrm>
+        </p:spPr>
+      </p:pic>
+    </p:spTree>
+  </p:cSld>
+  <p:clrMapOvr>
+    <a:masterClrMapping/>
+  </p:clrMapOvr>
+</p:sld>
+</file>
+
+<file path=ppt/slides/slide11.xml><?xml version="1.0" encoding="utf-8"?>
 <p:sld xmlns:a="http://schemas.openxmlformats.org/drawingml/2006/main" xmlns:r="http://schemas.openxmlformats.org/officeDocument/2006/relationships" xmlns:p="http://schemas.openxmlformats.org/presentationml/2006/main">
   <p:cSld>
     <p:spTree>
